--- a/draft-ietf-ccamp-yang-otn-slicing-04.pptx
+++ b/draft-ietf-ccamp-yang-otn-slicing-04.pptx
@@ -226,7 +226,7 @@
           <a:p>
             <a:fld id="{59711742-25F0-43F6-882D-B8403339F2D1}" type="datetimeFigureOut">
               <a:rPr lang="en-US" smtClean="0"/>
-              <a:t>3/20/2023</a:t>
+              <a:t>3/22/2023</a:t>
             </a:fld>
             <a:endParaRPr lang="en-US"/>
           </a:p>
@@ -1060,7 +1060,7 @@
           <a:p>
             <a:fld id="{11EADF87-7BA1-4934-894F-828C76552A18}" type="datetime1">
               <a:rPr lang="en-US" smtClean="0"/>
-              <a:t>3/20/2023</a:t>
+              <a:t>3/22/2023</a:t>
             </a:fld>
             <a:endParaRPr lang="en-US"/>
           </a:p>
@@ -1261,7 +1261,7 @@
           <a:p>
             <a:fld id="{85D92055-2432-4DF3-97D9-9AAC5D502BA1}" type="datetime1">
               <a:rPr lang="en-US" smtClean="0"/>
-              <a:t>3/20/2023</a:t>
+              <a:t>3/22/2023</a:t>
             </a:fld>
             <a:endParaRPr lang="en-US"/>
           </a:p>
@@ -1472,7 +1472,7 @@
           <a:p>
             <a:fld id="{9982AC4B-3F7F-442E-97CB-3FE75166B923}" type="datetime1">
               <a:rPr lang="en-US" smtClean="0"/>
-              <a:t>3/20/2023</a:t>
+              <a:t>3/22/2023</a:t>
             </a:fld>
             <a:endParaRPr lang="en-US"/>
           </a:p>
@@ -1673,7 +1673,7 @@
           <a:p>
             <a:fld id="{86764C34-DC39-41C4-8B6A-5EA7B47F74F1}" type="datetime1">
               <a:rPr lang="en-US" smtClean="0"/>
-              <a:t>3/20/2023</a:t>
+              <a:t>3/22/2023</a:t>
             </a:fld>
             <a:endParaRPr lang="en-US"/>
           </a:p>
@@ -1951,7 +1951,7 @@
           <a:p>
             <a:fld id="{9AD06E72-0C8D-44B3-AA53-2FB152485C62}" type="datetime1">
               <a:rPr lang="en-US" smtClean="0"/>
-              <a:t>3/20/2023</a:t>
+              <a:t>3/22/2023</a:t>
             </a:fld>
             <a:endParaRPr lang="en-US"/>
           </a:p>
@@ -2219,7 +2219,7 @@
           <a:p>
             <a:fld id="{66188E82-78A8-432F-A905-64D37DCF7108}" type="datetime1">
               <a:rPr lang="en-US" smtClean="0"/>
-              <a:t>3/20/2023</a:t>
+              <a:t>3/22/2023</a:t>
             </a:fld>
             <a:endParaRPr lang="en-US"/>
           </a:p>
@@ -2634,7 +2634,7 @@
           <a:p>
             <a:fld id="{4F6C27C5-5812-4AB4-AA99-BFA1A6532403}" type="datetime1">
               <a:rPr lang="en-US" smtClean="0"/>
-              <a:t>3/20/2023</a:t>
+              <a:t>3/22/2023</a:t>
             </a:fld>
             <a:endParaRPr lang="en-US"/>
           </a:p>
@@ -2778,7 +2778,7 @@
           <a:p>
             <a:fld id="{01E17CC1-43C0-45B8-AB30-B4F1979189AC}" type="datetime1">
               <a:rPr lang="en-US" smtClean="0"/>
-              <a:t>3/20/2023</a:t>
+              <a:t>3/22/2023</a:t>
             </a:fld>
             <a:endParaRPr lang="en-US"/>
           </a:p>
@@ -2894,7 +2894,7 @@
           <a:p>
             <a:fld id="{86720E5C-818F-46A2-A674-ACF0EF433E2C}" type="datetime1">
               <a:rPr lang="en-US" smtClean="0"/>
-              <a:t>3/20/2023</a:t>
+              <a:t>3/22/2023</a:t>
             </a:fld>
             <a:endParaRPr lang="en-US"/>
           </a:p>
@@ -3208,7 +3208,7 @@
           <a:p>
             <a:fld id="{3BF26B5B-FDE8-4DDB-82A7-BEF41002D93B}" type="datetime1">
               <a:rPr lang="en-US" smtClean="0"/>
-              <a:t>3/20/2023</a:t>
+              <a:t>3/22/2023</a:t>
             </a:fld>
             <a:endParaRPr lang="en-US"/>
           </a:p>
@@ -3499,7 +3499,7 @@
           <a:p>
             <a:fld id="{5CC07EE6-18E8-48EE-9715-5838292A3776}" type="datetime1">
               <a:rPr lang="en-US" smtClean="0"/>
-              <a:t>3/20/2023</a:t>
+              <a:t>3/22/2023</a:t>
             </a:fld>
             <a:endParaRPr lang="en-US"/>
           </a:p>
@@ -3743,7 +3743,7 @@
           <a:p>
             <a:fld id="{9025BCED-13F6-41CB-8B3C-875C16F6C384}" type="datetime1">
               <a:rPr lang="en-US" smtClean="0"/>
-              <a:t>3/20/2023</a:t>
+              <a:t>3/22/2023</a:t>
             </a:fld>
             <a:endParaRPr lang="en-US"/>
           </a:p>
@@ -4893,7 +4893,7 @@
           <a:p>
             <a:r>
               <a:rPr lang="en-US" sz="2400" dirty="0"/>
-              <a:t>Attributes adjustments</a:t>
+              <a:t>Attributes adjustment</a:t>
             </a:r>
           </a:p>
           <a:p>
@@ -8992,15 +8992,32 @@
 
 <file path=customXml/item1.xml><?xml version="1.0" encoding="utf-8"?>
 <?mso-contentType ?>
-<spe:Receivers xmlns:spe="http://schemas.microsoft.com/sharepoint/events"/>
+<SharedContentType xmlns="Microsoft.SharePoint.Taxonomy.ContentTypeSync" SourceId="34c87397-5fc1-491e-85e7-d6110dbe9cbd" ContentTypeId="0x0101" PreviousValue="false"/>
 </file>
 
 <file path=customXml/item2.xml><?xml version="1.0" encoding="utf-8"?>
 <?mso-contentType ?>
-<SharedContentType xmlns="Microsoft.SharePoint.Taxonomy.ContentTypeSync" SourceId="34c87397-5fc1-491e-85e7-d6110dbe9cbd" ContentTypeId="0x0101" PreviousValue="false"/>
+<spe:Receivers xmlns:spe="http://schemas.microsoft.com/sharepoint/events"/>
 </file>
 
 <file path=customXml/item3.xml><?xml version="1.0" encoding="utf-8"?>
+<?mso-contentType ?>
+<FormTemplates xmlns="http://schemas.microsoft.com/sharepoint/v3/contenttype/forms">
+  <Display>DocumentLibraryForm</Display>
+  <Edit>DocumentLibraryForm</Edit>
+  <New>DocumentLibraryForm</New>
+</FormTemplates>
+</file>
+
+<file path=customXml/item4.xml><?xml version="1.0" encoding="utf-8"?>
+<p:properties xmlns:p="http://schemas.microsoft.com/office/2006/metadata/properties" xmlns:xsi="http://www.w3.org/2001/XMLSchema-instance" xmlns:pc="http://schemas.microsoft.com/office/infopath/2007/PartnerControls">
+  <documentManagement>
+    <HideFromDelve xmlns="71c5aaf6-e6ce-465b-b873-5148d2a4c105">false</HideFromDelve>
+  </documentManagement>
+</p:properties>
+</file>
+
+<file path=customXml/item5.xml><?xml version="1.0" encoding="utf-8"?>
 <ct:contentTypeSchema xmlns:ct="http://schemas.microsoft.com/office/2006/metadata/contentType" xmlns:ma="http://schemas.microsoft.com/office/2006/metadata/properties/metaAttributes" ct:_="" ma:_="" ma:contentTypeName="Document" ma:contentTypeID="0x01010083185B6FD968AC4F8244C98DADFCDDF2" ma:contentTypeVersion="10" ma:contentTypeDescription="Create a new document." ma:contentTypeScope="" ma:versionID="a0a5748a9dac91f93248b2b077c41dd7">
   <xsd:schema xmlns:xsd="http://www.w3.org/2001/XMLSchema" xmlns:xs="http://www.w3.org/2001/XMLSchema" xmlns:p="http://schemas.microsoft.com/office/2006/metadata/properties" xmlns:ns3="71c5aaf6-e6ce-465b-b873-5148d2a4c105" xmlns:ns4="687e87d0-d0a8-4c48-8f94-14f0c67212c5" xmlns:ns5="b4d06219-a142-4c5f-be55-53f74cb980c7" targetNamespace="http://schemas.microsoft.com/office/2006/metadata/properties" ma:root="true" ma:fieldsID="b06f86fc5fa60c034a6b2d88bb81de5b" ns3:_="" ns4:_="" ns5:_="">
     <xsd:import namespace="71c5aaf6-e6ce-465b-b873-5148d2a4c105"/>
@@ -9239,24 +9256,15 @@
 </ct:contentTypeSchema>
 </file>
 
-<file path=customXml/item4.xml><?xml version="1.0" encoding="utf-8"?>
-<p:properties xmlns:p="http://schemas.microsoft.com/office/2006/metadata/properties" xmlns:xsi="http://www.w3.org/2001/XMLSchema-instance" xmlns:pc="http://schemas.microsoft.com/office/infopath/2007/PartnerControls">
-  <documentManagement>
-    <HideFromDelve xmlns="71c5aaf6-e6ce-465b-b873-5148d2a4c105">false</HideFromDelve>
-  </documentManagement>
-</p:properties>
+<file path=customXml/itemProps1.xml><?xml version="1.0" encoding="utf-8"?>
+<ds:datastoreItem xmlns:ds="http://schemas.openxmlformats.org/officeDocument/2006/customXml" ds:itemID="{68412ECC-D61E-4B23-B7FF-722505864B65}">
+  <ds:schemaRefs>
+    <ds:schemaRef ds:uri="Microsoft.SharePoint.Taxonomy.ContentTypeSync"/>
+  </ds:schemaRefs>
+</ds:datastoreItem>
 </file>
 
-<file path=customXml/item5.xml><?xml version="1.0" encoding="utf-8"?>
-<?mso-contentType ?>
-<FormTemplates xmlns="http://schemas.microsoft.com/sharepoint/v3/contenttype/forms">
-  <Display>DocumentLibraryForm</Display>
-  <Edit>DocumentLibraryForm</Edit>
-  <New>DocumentLibraryForm</New>
-</FormTemplates>
-</file>
-
-<file path=customXml/itemProps1.xml><?xml version="1.0" encoding="utf-8"?>
+<file path=customXml/itemProps2.xml><?xml version="1.0" encoding="utf-8"?>
 <ds:datastoreItem xmlns:ds="http://schemas.openxmlformats.org/officeDocument/2006/customXml" ds:itemID="{917A1171-45E3-4E0C-B712-8306AE0B7411}">
   <ds:schemaRefs>
     <ds:schemaRef ds:uri="http://schemas.microsoft.com/sharepoint/events"/>
@@ -9264,30 +9272,10 @@
 </ds:datastoreItem>
 </file>
 
-<file path=customXml/itemProps2.xml><?xml version="1.0" encoding="utf-8"?>
-<ds:datastoreItem xmlns:ds="http://schemas.openxmlformats.org/officeDocument/2006/customXml" ds:itemID="{68412ECC-D61E-4B23-B7FF-722505864B65}">
+<file path=customXml/itemProps3.xml><?xml version="1.0" encoding="utf-8"?>
+<ds:datastoreItem xmlns:ds="http://schemas.openxmlformats.org/officeDocument/2006/customXml" ds:itemID="{FFF5BEF5-BF1F-44F4-AFBC-1295B944FD55}">
   <ds:schemaRefs>
-    <ds:schemaRef ds:uri="Microsoft.SharePoint.Taxonomy.ContentTypeSync"/>
-  </ds:schemaRefs>
-</ds:datastoreItem>
-</file>
-
-<file path=customXml/itemProps3.xml><?xml version="1.0" encoding="utf-8"?>
-<ds:datastoreItem xmlns:ds="http://schemas.openxmlformats.org/officeDocument/2006/customXml" ds:itemID="{334975F1-7A16-4F7E-84AE-F419563FD202}">
-  <ds:schemaRefs>
-    <ds:schemaRef ds:uri="http://schemas.microsoft.com/office/2006/metadata/contentType"/>
-    <ds:schemaRef ds:uri="http://schemas.microsoft.com/office/2006/metadata/properties/metaAttributes"/>
-    <ds:schemaRef ds:uri="http://www.w3.org/2001/XMLSchema"/>
-    <ds:schemaRef ds:uri="http://schemas.microsoft.com/office/2006/metadata/properties"/>
-    <ds:schemaRef ds:uri="71c5aaf6-e6ce-465b-b873-5148d2a4c105"/>
-    <ds:schemaRef ds:uri="687e87d0-d0a8-4c48-8f94-14f0c67212c5"/>
-    <ds:schemaRef ds:uri="b4d06219-a142-4c5f-be55-53f74cb980c7"/>
-    <ds:schemaRef ds:uri="http://schemas.microsoft.com/office/2006/documentManagement/types"/>
-    <ds:schemaRef ds:uri="http://schemas.microsoft.com/office/infopath/2007/PartnerControls"/>
-    <ds:schemaRef ds:uri="http://schemas.openxmlformats.org/package/2006/metadata/core-properties"/>
-    <ds:schemaRef ds:uri="http://purl.org/dc/elements/1.1/"/>
-    <ds:schemaRef ds:uri="http://purl.org/dc/terms/"/>
-    <ds:schemaRef ds:uri="http://schemas.microsoft.com/internal/obd"/>
+    <ds:schemaRef ds:uri="http://schemas.microsoft.com/sharepoint/v3/contenttype/forms"/>
   </ds:schemaRefs>
 </ds:datastoreItem>
 </file>
@@ -9311,9 +9299,21 @@
 </file>
 
 <file path=customXml/itemProps5.xml><?xml version="1.0" encoding="utf-8"?>
-<ds:datastoreItem xmlns:ds="http://schemas.openxmlformats.org/officeDocument/2006/customXml" ds:itemID="{FFF5BEF5-BF1F-44F4-AFBC-1295B944FD55}">
+<ds:datastoreItem xmlns:ds="http://schemas.openxmlformats.org/officeDocument/2006/customXml" ds:itemID="{334975F1-7A16-4F7E-84AE-F419563FD202}">
   <ds:schemaRefs>
-    <ds:schemaRef ds:uri="http://schemas.microsoft.com/sharepoint/v3/contenttype/forms"/>
+    <ds:schemaRef ds:uri="http://schemas.microsoft.com/office/2006/metadata/contentType"/>
+    <ds:schemaRef ds:uri="http://schemas.microsoft.com/office/2006/metadata/properties/metaAttributes"/>
+    <ds:schemaRef ds:uri="http://www.w3.org/2001/XMLSchema"/>
+    <ds:schemaRef ds:uri="http://schemas.microsoft.com/office/2006/metadata/properties"/>
+    <ds:schemaRef ds:uri="71c5aaf6-e6ce-465b-b873-5148d2a4c105"/>
+    <ds:schemaRef ds:uri="687e87d0-d0a8-4c48-8f94-14f0c67212c5"/>
+    <ds:schemaRef ds:uri="b4d06219-a142-4c5f-be55-53f74cb980c7"/>
+    <ds:schemaRef ds:uri="http://schemas.microsoft.com/office/2006/documentManagement/types"/>
+    <ds:schemaRef ds:uri="http://schemas.microsoft.com/office/infopath/2007/PartnerControls"/>
+    <ds:schemaRef ds:uri="http://schemas.openxmlformats.org/package/2006/metadata/core-properties"/>
+    <ds:schemaRef ds:uri="http://purl.org/dc/elements/1.1/"/>
+    <ds:schemaRef ds:uri="http://purl.org/dc/terms/"/>
+    <ds:schemaRef ds:uri="http://schemas.microsoft.com/internal/obd"/>
   </ds:schemaRefs>
 </ds:datastoreItem>
 </file>
--- a/draft-ietf-ccamp-yang-otn-slicing-04.pptx
+++ b/draft-ietf-ccamp-yang-otn-slicing-04.pptx
@@ -226,7 +226,7 @@
           <a:p>
             <a:fld id="{59711742-25F0-43F6-882D-B8403339F2D1}" type="datetimeFigureOut">
               <a:rPr lang="en-US" smtClean="0"/>
-              <a:t>3/22/2023</a:t>
+              <a:t>3/23/2023</a:t>
             </a:fld>
             <a:endParaRPr lang="en-US"/>
           </a:p>
@@ -1060,7 +1060,7 @@
           <a:p>
             <a:fld id="{11EADF87-7BA1-4934-894F-828C76552A18}" type="datetime1">
               <a:rPr lang="en-US" smtClean="0"/>
-              <a:t>3/22/2023</a:t>
+              <a:t>3/23/2023</a:t>
             </a:fld>
             <a:endParaRPr lang="en-US"/>
           </a:p>
@@ -1261,7 +1261,7 @@
           <a:p>
             <a:fld id="{85D92055-2432-4DF3-97D9-9AAC5D502BA1}" type="datetime1">
               <a:rPr lang="en-US" smtClean="0"/>
-              <a:t>3/22/2023</a:t>
+              <a:t>3/23/2023</a:t>
             </a:fld>
             <a:endParaRPr lang="en-US"/>
           </a:p>
@@ -1472,7 +1472,7 @@
           <a:p>
             <a:fld id="{9982AC4B-3F7F-442E-97CB-3FE75166B923}" type="datetime1">
               <a:rPr lang="en-US" smtClean="0"/>
-              <a:t>3/22/2023</a:t>
+              <a:t>3/23/2023</a:t>
             </a:fld>
             <a:endParaRPr lang="en-US"/>
           </a:p>
@@ -1673,7 +1673,7 @@
           <a:p>
             <a:fld id="{86764C34-DC39-41C4-8B6A-5EA7B47F74F1}" type="datetime1">
               <a:rPr lang="en-US" smtClean="0"/>
-              <a:t>3/22/2023</a:t>
+              <a:t>3/23/2023</a:t>
             </a:fld>
             <a:endParaRPr lang="en-US"/>
           </a:p>
@@ -1951,7 +1951,7 @@
           <a:p>
             <a:fld id="{9AD06E72-0C8D-44B3-AA53-2FB152485C62}" type="datetime1">
               <a:rPr lang="en-US" smtClean="0"/>
-              <a:t>3/22/2023</a:t>
+              <a:t>3/23/2023</a:t>
             </a:fld>
             <a:endParaRPr lang="en-US"/>
           </a:p>
@@ -2219,7 +2219,7 @@
           <a:p>
             <a:fld id="{66188E82-78A8-432F-A905-64D37DCF7108}" type="datetime1">
               <a:rPr lang="en-US" smtClean="0"/>
-              <a:t>3/22/2023</a:t>
+              <a:t>3/23/2023</a:t>
             </a:fld>
             <a:endParaRPr lang="en-US"/>
           </a:p>
@@ -2634,7 +2634,7 @@
           <a:p>
             <a:fld id="{4F6C27C5-5812-4AB4-AA99-BFA1A6532403}" type="datetime1">
               <a:rPr lang="en-US" smtClean="0"/>
-              <a:t>3/22/2023</a:t>
+              <a:t>3/23/2023</a:t>
             </a:fld>
             <a:endParaRPr lang="en-US"/>
           </a:p>
@@ -2778,7 +2778,7 @@
           <a:p>
             <a:fld id="{01E17CC1-43C0-45B8-AB30-B4F1979189AC}" type="datetime1">
               <a:rPr lang="en-US" smtClean="0"/>
-              <a:t>3/22/2023</a:t>
+              <a:t>3/23/2023</a:t>
             </a:fld>
             <a:endParaRPr lang="en-US"/>
           </a:p>
@@ -2894,7 +2894,7 @@
           <a:p>
             <a:fld id="{86720E5C-818F-46A2-A674-ACF0EF433E2C}" type="datetime1">
               <a:rPr lang="en-US" smtClean="0"/>
-              <a:t>3/22/2023</a:t>
+              <a:t>3/23/2023</a:t>
             </a:fld>
             <a:endParaRPr lang="en-US"/>
           </a:p>
@@ -3208,7 +3208,7 @@
           <a:p>
             <a:fld id="{3BF26B5B-FDE8-4DDB-82A7-BEF41002D93B}" type="datetime1">
               <a:rPr lang="en-US" smtClean="0"/>
-              <a:t>3/22/2023</a:t>
+              <a:t>3/23/2023</a:t>
             </a:fld>
             <a:endParaRPr lang="en-US"/>
           </a:p>
@@ -3499,7 +3499,7 @@
           <a:p>
             <a:fld id="{5CC07EE6-18E8-48EE-9715-5838292A3776}" type="datetime1">
               <a:rPr lang="en-US" smtClean="0"/>
-              <a:t>3/22/2023</a:t>
+              <a:t>3/23/2023</a:t>
             </a:fld>
             <a:endParaRPr lang="en-US"/>
           </a:p>
@@ -3743,7 +3743,7 @@
           <a:p>
             <a:fld id="{9025BCED-13F6-41CB-8B3C-875C16F6C384}" type="datetime1">
               <a:rPr lang="en-US" smtClean="0"/>
-              <a:t>3/22/2023</a:t>
+              <a:t>3/23/2023</a:t>
             </a:fld>
             <a:endParaRPr lang="en-US"/>
           </a:p>
@@ -4907,7 +4907,7 @@
             <a:pPr lvl="1"/>
             <a:r>
               <a:rPr lang="en-US" sz="2000" dirty="0"/>
-              <a:t>Moved explicit path references to under the steering-constraints to align with the base model definition </a:t>
+              <a:t>Moved explicit path references under the steering-constraints in the Network Slice Service model  </a:t>
             </a:r>
           </a:p>
           <a:p>
@@ -4981,10 +4981,10 @@
       </p:sp>
       <p:grpSp>
         <p:nvGrpSpPr>
-          <p:cNvPr id="8" name="Group 7">
+          <p:cNvPr id="3" name="Group 2">
             <a:extLst>
               <a:ext uri="{FF2B5EF4-FFF2-40B4-BE49-F238E27FC236}">
-                <a16:creationId xmlns:a16="http://schemas.microsoft.com/office/drawing/2014/main" id="{6BF3EED4-7EC2-AA2B-8651-F4726158B7CE}"/>
+                <a16:creationId xmlns:a16="http://schemas.microsoft.com/office/drawing/2014/main" id="{E9E3C678-4DD2-FC32-7E7E-82F0F565C294}"/>
               </a:ext>
             </a:extLst>
           </p:cNvPr>
@@ -4994,9 +4994,9 @@
         <p:grpSpPr>
           <a:xfrm>
             <a:off x="865300" y="2431742"/>
-            <a:ext cx="3937246" cy="2654120"/>
-            <a:chOff x="8557806" y="3621352"/>
-            <a:chExt cx="3937246" cy="2654120"/>
+            <a:ext cx="3937246" cy="2661579"/>
+            <a:chOff x="865300" y="2431742"/>
+            <a:chExt cx="3937246" cy="2661579"/>
           </a:xfrm>
         </p:grpSpPr>
         <p:sp>
@@ -5013,7 +5013,7 @@
           </p:nvSpPr>
           <p:spPr>
             <a:xfrm>
-              <a:off x="8557806" y="5500255"/>
+              <a:off x="865300" y="4310645"/>
               <a:ext cx="2574524" cy="338554"/>
             </a:xfrm>
             <a:prstGeom prst="rect">
@@ -5058,7 +5058,7 @@
           </p:nvSpPr>
           <p:spPr>
             <a:xfrm>
-              <a:off x="8557806" y="4471358"/>
+              <a:off x="865300" y="3281748"/>
               <a:ext cx="2574524" cy="584775"/>
             </a:xfrm>
             <a:prstGeom prst="rect">
@@ -5110,7 +5110,7 @@
           </p:nvSpPr>
           <p:spPr>
             <a:xfrm>
-              <a:off x="8557806" y="3621352"/>
+              <a:off x="865300" y="2431742"/>
               <a:ext cx="2574524" cy="338554"/>
             </a:xfrm>
             <a:prstGeom prst="rect">
@@ -5166,14 +5166,15 @@
           </p:nvCxnSpPr>
           <p:spPr>
             <a:xfrm flipV="1">
-              <a:off x="9845068" y="5056133"/>
+              <a:off x="2152562" y="3866523"/>
               <a:ext cx="0" cy="444122"/>
             </a:xfrm>
             <a:prstGeom prst="straightConnector1">
               <a:avLst/>
             </a:prstGeom>
             <a:ln>
-              <a:tailEnd type="triangle"/>
+              <a:headEnd type="triangle" w="med" len="med"/>
+              <a:tailEnd type="none" w="med" len="med"/>
             </a:ln>
           </p:spPr>
           <p:style>
@@ -5205,7 +5206,7 @@
           </p:nvSpPr>
           <p:spPr>
             <a:xfrm>
-              <a:off x="9829353" y="5114109"/>
+              <a:off x="2136847" y="3924499"/>
               <a:ext cx="802014" cy="276999"/>
             </a:xfrm>
             <a:prstGeom prst="rect">
@@ -5240,14 +5241,15 @@
           </p:nvCxnSpPr>
           <p:spPr>
             <a:xfrm flipV="1">
-              <a:off x="9845068" y="3959905"/>
+              <a:off x="2152562" y="2770295"/>
               <a:ext cx="0" cy="511453"/>
             </a:xfrm>
             <a:prstGeom prst="straightConnector1">
               <a:avLst/>
             </a:prstGeom>
             <a:ln>
-              <a:tailEnd type="triangle"/>
+              <a:headEnd type="triangle" w="med" len="med"/>
+              <a:tailEnd type="none" w="med" len="med"/>
             </a:ln>
           </p:spPr>
           <p:style>
@@ -5279,7 +5281,7 @@
           </p:nvSpPr>
           <p:spPr>
             <a:xfrm>
-              <a:off x="9845068" y="4052853"/>
+              <a:off x="2152562" y="2863243"/>
               <a:ext cx="802014" cy="276999"/>
             </a:xfrm>
             <a:prstGeom prst="rect">
@@ -5314,7 +5316,7 @@
           </p:nvSpPr>
           <p:spPr>
             <a:xfrm>
-              <a:off x="11353799" y="4077131"/>
+              <a:off x="3661293" y="2887521"/>
               <a:ext cx="772134" cy="276999"/>
             </a:xfrm>
             <a:prstGeom prst="rect">
@@ -5354,7 +5356,7 @@
           </p:nvCxnSpPr>
           <p:spPr>
             <a:xfrm flipH="1" flipV="1">
-              <a:off x="11230252" y="3852909"/>
+              <a:off x="3537746" y="2663299"/>
               <a:ext cx="509614" cy="224222"/>
             </a:xfrm>
             <a:prstGeom prst="straightConnector1">
@@ -5396,7 +5398,7 @@
           </p:nvCxnSpPr>
           <p:spPr>
             <a:xfrm flipH="1">
-              <a:off x="11315307" y="4354130"/>
+              <a:off x="3622801" y="3164520"/>
               <a:ext cx="424559" cy="286505"/>
             </a:xfrm>
             <a:prstGeom prst="straightConnector1">
@@ -5435,7 +5437,7 @@
           </p:nvSpPr>
           <p:spPr>
             <a:xfrm>
-              <a:off x="11433380" y="5256509"/>
+              <a:off x="3740874" y="4066899"/>
               <a:ext cx="1061672" cy="646331"/>
             </a:xfrm>
             <a:prstGeom prst="rect">
@@ -5489,7 +5491,7 @@
           </p:nvCxnSpPr>
           <p:spPr>
             <a:xfrm flipH="1">
-              <a:off x="11132330" y="5669532"/>
+              <a:off x="3439824" y="4479922"/>
               <a:ext cx="310201" cy="0"/>
             </a:xfrm>
             <a:prstGeom prst="straightConnector1">
@@ -5528,7 +5530,7 @@
           </p:nvSpPr>
           <p:spPr>
             <a:xfrm>
-              <a:off x="9845068" y="5906140"/>
+              <a:off x="2136847" y="4723989"/>
               <a:ext cx="1181926" cy="369332"/>
             </a:xfrm>
             <a:prstGeom prst="rect">
@@ -5759,13 +5761,11 @@
               </p:cNvPr>
               <p:cNvCxnSpPr>
                 <a:cxnSpLocks/>
-                <a:stCxn id="34" idx="0"/>
-                <a:endCxn id="35" idx="2"/>
               </p:cNvCxnSpPr>
               <p:nvPr/>
             </p:nvCxnSpPr>
             <p:spPr>
-              <a:xfrm flipV="1">
+              <a:xfrm>
                 <a:off x="9838608" y="5056133"/>
                 <a:ext cx="6460" cy="473426"/>
               </a:xfrm>
@@ -5805,7 +5805,7 @@
             </p:nvSpPr>
             <p:spPr>
               <a:xfrm>
-                <a:off x="9829353" y="5114109"/>
+                <a:off x="9901271" y="5114109"/>
                 <a:ext cx="802014" cy="276999"/>
               </a:xfrm>
               <a:prstGeom prst="rect">
@@ -5835,11 +5835,13 @@
                   </a:ext>
                 </a:extLst>
               </p:cNvPr>
-              <p:cNvCxnSpPr/>
+              <p:cNvCxnSpPr>
+                <a:cxnSpLocks/>
+              </p:cNvCxnSpPr>
               <p:nvPr/>
             </p:nvCxnSpPr>
             <p:spPr>
-              <a:xfrm flipV="1">
+              <a:xfrm>
                 <a:off x="9845068" y="3959905"/>
                 <a:ext cx="0" cy="511453"/>
               </a:xfrm>
@@ -6330,14 +6332,13 @@
               </a:extLst>
             </p:cNvPr>
             <p:cNvCxnSpPr>
-              <a:stCxn id="48" idx="0"/>
-              <a:endCxn id="36" idx="1"/>
+              <a:cxnSpLocks/>
             </p:cNvCxnSpPr>
             <p:nvPr/>
           </p:nvCxnSpPr>
           <p:spPr>
-            <a:xfrm rot="5400000" flipH="1" flipV="1">
-              <a:off x="6496411" y="2474160"/>
+            <a:xfrm rot="10800000" flipV="1">
+              <a:off x="6567996" y="2431742"/>
               <a:ext cx="1738930" cy="1887690"/>
             </a:xfrm>
             <a:prstGeom prst="bentConnector2">
@@ -6487,7 +6488,7 @@
             <a:pPr lvl="1"/>
             <a:r>
               <a:rPr lang="en-US" dirty="0"/>
-              <a:t>Option 1 : WG to adopt </a:t>
+              <a:t>Option 1 : TEAS WG to adopt </a:t>
             </a:r>
             <a:r>
               <a:rPr lang="en-US" dirty="0" err="1"/>
@@ -6755,13 +6756,11 @@
               </p:cNvPr>
               <p:cNvCxnSpPr>
                 <a:cxnSpLocks/>
-                <a:stCxn id="27" idx="0"/>
-                <a:endCxn id="28" idx="2"/>
               </p:cNvCxnSpPr>
               <p:nvPr/>
             </p:nvCxnSpPr>
             <p:spPr>
-              <a:xfrm flipV="1">
+              <a:xfrm>
                 <a:off x="9702386" y="5056133"/>
                 <a:ext cx="3230" cy="473426"/>
               </a:xfrm>
@@ -6831,11 +6830,13 @@
                   </a:ext>
                 </a:extLst>
               </p:cNvPr>
-              <p:cNvCxnSpPr/>
+              <p:cNvCxnSpPr>
+                <a:cxnSpLocks/>
+              </p:cNvCxnSpPr>
               <p:nvPr/>
             </p:nvCxnSpPr>
             <p:spPr>
-              <a:xfrm flipV="1">
+              <a:xfrm>
                 <a:off x="9702386" y="3959905"/>
                 <a:ext cx="0" cy="511453"/>
               </a:xfrm>
@@ -7341,13 +7342,11 @@
             </p:cNvPr>
             <p:cNvCxnSpPr>
               <a:cxnSpLocks/>
-              <a:stCxn id="40" idx="0"/>
-              <a:endCxn id="46" idx="2"/>
             </p:cNvCxnSpPr>
             <p:nvPr/>
           </p:nvCxnSpPr>
           <p:spPr>
-            <a:xfrm rot="5400000" flipH="1" flipV="1">
+            <a:xfrm rot="16200000" flipH="1">
               <a:off x="5366052" y="3502643"/>
               <a:ext cx="1569654" cy="1"/>
             </a:xfrm>
@@ -8991,25 +8990,6 @@
 </file>
 
 <file path=customXml/item1.xml><?xml version="1.0" encoding="utf-8"?>
-<?mso-contentType ?>
-<SharedContentType xmlns="Microsoft.SharePoint.Taxonomy.ContentTypeSync" SourceId="34c87397-5fc1-491e-85e7-d6110dbe9cbd" ContentTypeId="0x0101" PreviousValue="false"/>
-</file>
-
-<file path=customXml/item2.xml><?xml version="1.0" encoding="utf-8"?>
-<?mso-contentType ?>
-<spe:Receivers xmlns:spe="http://schemas.microsoft.com/sharepoint/events"/>
-</file>
-
-<file path=customXml/item3.xml><?xml version="1.0" encoding="utf-8"?>
-<?mso-contentType ?>
-<FormTemplates xmlns="http://schemas.microsoft.com/sharepoint/v3/contenttype/forms">
-  <Display>DocumentLibraryForm</Display>
-  <Edit>DocumentLibraryForm</Edit>
-  <New>DocumentLibraryForm</New>
-</FormTemplates>
-</file>
-
-<file path=customXml/item4.xml><?xml version="1.0" encoding="utf-8"?>
 <p:properties xmlns:p="http://schemas.microsoft.com/office/2006/metadata/properties" xmlns:xsi="http://www.w3.org/2001/XMLSchema-instance" xmlns:pc="http://schemas.microsoft.com/office/infopath/2007/PartnerControls">
   <documentManagement>
     <HideFromDelve xmlns="71c5aaf6-e6ce-465b-b873-5148d2a4c105">false</HideFromDelve>
@@ -9017,7 +8997,7 @@
 </p:properties>
 </file>
 
-<file path=customXml/item5.xml><?xml version="1.0" encoding="utf-8"?>
+<file path=customXml/item2.xml><?xml version="1.0" encoding="utf-8"?>
 <ct:contentTypeSchema xmlns:ct="http://schemas.microsoft.com/office/2006/metadata/contentType" xmlns:ma="http://schemas.microsoft.com/office/2006/metadata/properties/metaAttributes" ct:_="" ma:_="" ma:contentTypeName="Document" ma:contentTypeID="0x01010083185B6FD968AC4F8244C98DADFCDDF2" ma:contentTypeVersion="10" ma:contentTypeDescription="Create a new document." ma:contentTypeScope="" ma:versionID="a0a5748a9dac91f93248b2b077c41dd7">
   <xsd:schema xmlns:xsd="http://www.w3.org/2001/XMLSchema" xmlns:xs="http://www.w3.org/2001/XMLSchema" xmlns:p="http://schemas.microsoft.com/office/2006/metadata/properties" xmlns:ns3="71c5aaf6-e6ce-465b-b873-5148d2a4c105" xmlns:ns4="687e87d0-d0a8-4c48-8f94-14f0c67212c5" xmlns:ns5="b4d06219-a142-4c5f-be55-53f74cb980c7" targetNamespace="http://schemas.microsoft.com/office/2006/metadata/properties" ma:root="true" ma:fieldsID="b06f86fc5fa60c034a6b2d88bb81de5b" ns3:_="" ns4:_="" ns5:_="">
     <xsd:import namespace="71c5aaf6-e6ce-465b-b873-5148d2a4c105"/>
@@ -9256,31 +9236,26 @@
 </ct:contentTypeSchema>
 </file>
 
-<file path=customXml/itemProps1.xml><?xml version="1.0" encoding="utf-8"?>
-<ds:datastoreItem xmlns:ds="http://schemas.openxmlformats.org/officeDocument/2006/customXml" ds:itemID="{68412ECC-D61E-4B23-B7FF-722505864B65}">
-  <ds:schemaRefs>
-    <ds:schemaRef ds:uri="Microsoft.SharePoint.Taxonomy.ContentTypeSync"/>
-  </ds:schemaRefs>
-</ds:datastoreItem>
+<file path=customXml/item3.xml><?xml version="1.0" encoding="utf-8"?>
+<?mso-contentType ?>
+<SharedContentType xmlns="Microsoft.SharePoint.Taxonomy.ContentTypeSync" SourceId="34c87397-5fc1-491e-85e7-d6110dbe9cbd" ContentTypeId="0x0101" PreviousValue="false"/>
 </file>
 
-<file path=customXml/itemProps2.xml><?xml version="1.0" encoding="utf-8"?>
-<ds:datastoreItem xmlns:ds="http://schemas.openxmlformats.org/officeDocument/2006/customXml" ds:itemID="{917A1171-45E3-4E0C-B712-8306AE0B7411}">
-  <ds:schemaRefs>
-    <ds:schemaRef ds:uri="http://schemas.microsoft.com/sharepoint/events"/>
-  </ds:schemaRefs>
-</ds:datastoreItem>
+<file path=customXml/item4.xml><?xml version="1.0" encoding="utf-8"?>
+<?mso-contentType ?>
+<spe:Receivers xmlns:spe="http://schemas.microsoft.com/sharepoint/events"/>
 </file>
 
-<file path=customXml/itemProps3.xml><?xml version="1.0" encoding="utf-8"?>
-<ds:datastoreItem xmlns:ds="http://schemas.openxmlformats.org/officeDocument/2006/customXml" ds:itemID="{FFF5BEF5-BF1F-44F4-AFBC-1295B944FD55}">
-  <ds:schemaRefs>
-    <ds:schemaRef ds:uri="http://schemas.microsoft.com/sharepoint/v3/contenttype/forms"/>
-  </ds:schemaRefs>
-</ds:datastoreItem>
+<file path=customXml/item5.xml><?xml version="1.0" encoding="utf-8"?>
+<?mso-contentType ?>
+<FormTemplates xmlns="http://schemas.microsoft.com/sharepoint/v3/contenttype/forms">
+  <Display>DocumentLibraryForm</Display>
+  <Edit>DocumentLibraryForm</Edit>
+  <New>DocumentLibraryForm</New>
+</FormTemplates>
 </file>
 
-<file path=customXml/itemProps4.xml><?xml version="1.0" encoding="utf-8"?>
+<file path=customXml/itemProps1.xml><?xml version="1.0" encoding="utf-8"?>
 <ds:datastoreItem xmlns:ds="http://schemas.openxmlformats.org/officeDocument/2006/customXml" ds:itemID="{D1402BC5-1A46-47E2-B58E-ED5697CD9276}">
   <ds:schemaRefs>
     <ds:schemaRef ds:uri="71c5aaf6-e6ce-465b-b873-5148d2a4c105"/>
@@ -9298,7 +9273,7 @@
 </ds:datastoreItem>
 </file>
 
-<file path=customXml/itemProps5.xml><?xml version="1.0" encoding="utf-8"?>
+<file path=customXml/itemProps2.xml><?xml version="1.0" encoding="utf-8"?>
 <ds:datastoreItem xmlns:ds="http://schemas.openxmlformats.org/officeDocument/2006/customXml" ds:itemID="{334975F1-7A16-4F7E-84AE-F419563FD202}">
   <ds:schemaRefs>
     <ds:schemaRef ds:uri="http://schemas.microsoft.com/office/2006/metadata/contentType"/>
@@ -9316,4 +9291,28 @@
     <ds:schemaRef ds:uri="http://schemas.microsoft.com/internal/obd"/>
   </ds:schemaRefs>
 </ds:datastoreItem>
+</file>
+
+<file path=customXml/itemProps3.xml><?xml version="1.0" encoding="utf-8"?>
+<ds:datastoreItem xmlns:ds="http://schemas.openxmlformats.org/officeDocument/2006/customXml" ds:itemID="{68412ECC-D61E-4B23-B7FF-722505864B65}">
+  <ds:schemaRefs>
+    <ds:schemaRef ds:uri="Microsoft.SharePoint.Taxonomy.ContentTypeSync"/>
+  </ds:schemaRefs>
+</ds:datastoreItem>
+</file>
+
+<file path=customXml/itemProps4.xml><?xml version="1.0" encoding="utf-8"?>
+<ds:datastoreItem xmlns:ds="http://schemas.openxmlformats.org/officeDocument/2006/customXml" ds:itemID="{917A1171-45E3-4E0C-B712-8306AE0B7411}">
+  <ds:schemaRefs>
+    <ds:schemaRef ds:uri="http://schemas.microsoft.com/sharepoint/events"/>
+  </ds:schemaRefs>
+</ds:datastoreItem>
+</file>
+
+<file path=customXml/itemProps5.xml><?xml version="1.0" encoding="utf-8"?>
+<ds:datastoreItem xmlns:ds="http://schemas.openxmlformats.org/officeDocument/2006/customXml" ds:itemID="{FFF5BEF5-BF1F-44F4-AFBC-1295B944FD55}">
+  <ds:schemaRefs>
+    <ds:schemaRef ds:uri="http://schemas.microsoft.com/sharepoint/v3/contenttype/forms"/>
+  </ds:schemaRefs>
+</ds:datastoreItem>
 </file>